--- a/docs/diagrams/CompareCommandSequenceDiagram.pptx
+++ b/docs/diagrams/CompareCommandSequenceDiagram.pptx
@@ -104,6 +104,11 @@
       </a:defRPr>
     </a:lvl9pPr>
   </p:defaultTextStyle>
+  <p:extLst>
+    <p:ext uri="{EFAFB233-063F-42B5-8137-9DF3F51BA10A}">
+      <p15:sldGuideLst xmlns:p15="http://schemas.microsoft.com/office/powerpoint/2012/main"/>
+    </p:ext>
+  </p:extLst>
 </p:presentation>
 </file>
 
@@ -238,7 +243,7 @@
           <a:p>
             <a:fld id="{7F2E56FB-69DC-4DAD-A7C4-CC58BAF5362C}" type="datetimeFigureOut">
               <a:rPr lang="en-SG" smtClean="0"/>
-              <a:t>7/4/2019</a:t>
+              <a:t>13/4/2019</a:t>
             </a:fld>
             <a:endParaRPr lang="en-SG"/>
           </a:p>
@@ -408,7 +413,7 @@
           <a:p>
             <a:fld id="{7F2E56FB-69DC-4DAD-A7C4-CC58BAF5362C}" type="datetimeFigureOut">
               <a:rPr lang="en-SG" smtClean="0"/>
-              <a:t>7/4/2019</a:t>
+              <a:t>13/4/2019</a:t>
             </a:fld>
             <a:endParaRPr lang="en-SG"/>
           </a:p>
@@ -588,7 +593,7 @@
           <a:p>
             <a:fld id="{7F2E56FB-69DC-4DAD-A7C4-CC58BAF5362C}" type="datetimeFigureOut">
               <a:rPr lang="en-SG" smtClean="0"/>
-              <a:t>7/4/2019</a:t>
+              <a:t>13/4/2019</a:t>
             </a:fld>
             <a:endParaRPr lang="en-SG"/>
           </a:p>
@@ -758,7 +763,7 @@
           <a:p>
             <a:fld id="{7F2E56FB-69DC-4DAD-A7C4-CC58BAF5362C}" type="datetimeFigureOut">
               <a:rPr lang="en-SG" smtClean="0"/>
-              <a:t>7/4/2019</a:t>
+              <a:t>13/4/2019</a:t>
             </a:fld>
             <a:endParaRPr lang="en-SG"/>
           </a:p>
@@ -1002,7 +1007,7 @@
           <a:p>
             <a:fld id="{7F2E56FB-69DC-4DAD-A7C4-CC58BAF5362C}" type="datetimeFigureOut">
               <a:rPr lang="en-SG" smtClean="0"/>
-              <a:t>7/4/2019</a:t>
+              <a:t>13/4/2019</a:t>
             </a:fld>
             <a:endParaRPr lang="en-SG"/>
           </a:p>
@@ -1234,7 +1239,7 @@
           <a:p>
             <a:fld id="{7F2E56FB-69DC-4DAD-A7C4-CC58BAF5362C}" type="datetimeFigureOut">
               <a:rPr lang="en-SG" smtClean="0"/>
-              <a:t>7/4/2019</a:t>
+              <a:t>13/4/2019</a:t>
             </a:fld>
             <a:endParaRPr lang="en-SG"/>
           </a:p>
@@ -1601,7 +1606,7 @@
           <a:p>
             <a:fld id="{7F2E56FB-69DC-4DAD-A7C4-CC58BAF5362C}" type="datetimeFigureOut">
               <a:rPr lang="en-SG" smtClean="0"/>
-              <a:t>7/4/2019</a:t>
+              <a:t>13/4/2019</a:t>
             </a:fld>
             <a:endParaRPr lang="en-SG"/>
           </a:p>
@@ -1719,7 +1724,7 @@
           <a:p>
             <a:fld id="{7F2E56FB-69DC-4DAD-A7C4-CC58BAF5362C}" type="datetimeFigureOut">
               <a:rPr lang="en-SG" smtClean="0"/>
-              <a:t>7/4/2019</a:t>
+              <a:t>13/4/2019</a:t>
             </a:fld>
             <a:endParaRPr lang="en-SG"/>
           </a:p>
@@ -1814,7 +1819,7 @@
           <a:p>
             <a:fld id="{7F2E56FB-69DC-4DAD-A7C4-CC58BAF5362C}" type="datetimeFigureOut">
               <a:rPr lang="en-SG" smtClean="0"/>
-              <a:t>7/4/2019</a:t>
+              <a:t>13/4/2019</a:t>
             </a:fld>
             <a:endParaRPr lang="en-SG"/>
           </a:p>
@@ -2091,7 +2096,7 @@
           <a:p>
             <a:fld id="{7F2E56FB-69DC-4DAD-A7C4-CC58BAF5362C}" type="datetimeFigureOut">
               <a:rPr lang="en-SG" smtClean="0"/>
-              <a:t>7/4/2019</a:t>
+              <a:t>13/4/2019</a:t>
             </a:fld>
             <a:endParaRPr lang="en-SG"/>
           </a:p>
@@ -2348,7 +2353,7 @@
           <a:p>
             <a:fld id="{7F2E56FB-69DC-4DAD-A7C4-CC58BAF5362C}" type="datetimeFigureOut">
               <a:rPr lang="en-SG" smtClean="0"/>
-              <a:t>7/4/2019</a:t>
+              <a:t>13/4/2019</a:t>
             </a:fld>
             <a:endParaRPr lang="en-SG"/>
           </a:p>
@@ -2561,7 +2566,7 @@
           <a:p>
             <a:fld id="{7F2E56FB-69DC-4DAD-A7C4-CC58BAF5362C}" type="datetimeFigureOut">
               <a:rPr lang="en-SG" smtClean="0"/>
-              <a:t>7/4/2019</a:t>
+              <a:t>13/4/2019</a:t>
             </a:fld>
             <a:endParaRPr lang="en-SG"/>
           </a:p>
@@ -4815,13 +4820,13 @@
         </p:nvCxnSpPr>
         <p:spPr>
           <a:xfrm rot="16200000" flipH="1">
-            <a:off x="8571702" y="3408697"/>
+            <a:off x="8592248" y="3446887"/>
             <a:ext cx="195058" cy="122253"/>
           </a:xfrm>
           <a:prstGeom prst="curvedConnector4">
             <a:avLst>
               <a:gd name="adj1" fmla="val -17528"/>
-              <a:gd name="adj2" fmla="val 286989"/>
+              <a:gd name="adj2" fmla="val 239293"/>
             </a:avLst>
           </a:prstGeom>
           <a:ln>
